--- a/Presentation - Kotlin2.pptx
+++ b/Presentation - Kotlin2.pptx
@@ -226,7 +226,7 @@
           <a:p>
             <a:fld id="{E91C0B49-203A-412F-8B10-2DEC114FF46F}" type="datetimeFigureOut">
               <a:rPr lang="en-US" smtClean="0"/>
-              <a:t>9/18/2017</a:t>
+              <a:t>9/19/2017</a:t>
             </a:fld>
             <a:endParaRPr lang="en-US"/>
           </a:p>
@@ -1738,7 +1738,7 @@
           <a:p>
             <a:fld id="{1CF5E627-4435-4E4B-A241-B784D5E98CA2}" type="datetimeFigureOut">
               <a:rPr lang="en-US" smtClean="0"/>
-              <a:t>9/18/2017</a:t>
+              <a:t>9/19/2017</a:t>
             </a:fld>
             <a:endParaRPr lang="en-US"/>
           </a:p>
@@ -1936,7 +1936,7 @@
           <a:p>
             <a:fld id="{1CF5E627-4435-4E4B-A241-B784D5E98CA2}" type="datetimeFigureOut">
               <a:rPr lang="en-US" smtClean="0"/>
-              <a:t>9/18/2017</a:t>
+              <a:t>9/19/2017</a:t>
             </a:fld>
             <a:endParaRPr lang="en-US"/>
           </a:p>
@@ -2144,7 +2144,7 @@
           <a:p>
             <a:fld id="{1CF5E627-4435-4E4B-A241-B784D5E98CA2}" type="datetimeFigureOut">
               <a:rPr lang="en-US" smtClean="0"/>
-              <a:t>9/18/2017</a:t>
+              <a:t>9/19/2017</a:t>
             </a:fld>
             <a:endParaRPr lang="en-US"/>
           </a:p>
@@ -2342,7 +2342,7 @@
           <a:p>
             <a:fld id="{1CF5E627-4435-4E4B-A241-B784D5E98CA2}" type="datetimeFigureOut">
               <a:rPr lang="en-US" smtClean="0"/>
-              <a:t>9/18/2017</a:t>
+              <a:t>9/19/2017</a:t>
             </a:fld>
             <a:endParaRPr lang="en-US"/>
           </a:p>
@@ -2617,7 +2617,7 @@
           <a:p>
             <a:fld id="{1CF5E627-4435-4E4B-A241-B784D5E98CA2}" type="datetimeFigureOut">
               <a:rPr lang="en-US" smtClean="0"/>
-              <a:t>9/18/2017</a:t>
+              <a:t>9/19/2017</a:t>
             </a:fld>
             <a:endParaRPr lang="en-US"/>
           </a:p>
@@ -2882,7 +2882,7 @@
           <a:p>
             <a:fld id="{1CF5E627-4435-4E4B-A241-B784D5E98CA2}" type="datetimeFigureOut">
               <a:rPr lang="en-US" smtClean="0"/>
-              <a:t>9/18/2017</a:t>
+              <a:t>9/19/2017</a:t>
             </a:fld>
             <a:endParaRPr lang="en-US"/>
           </a:p>
@@ -3294,7 +3294,7 @@
           <a:p>
             <a:fld id="{1CF5E627-4435-4E4B-A241-B784D5E98CA2}" type="datetimeFigureOut">
               <a:rPr lang="en-US" smtClean="0"/>
-              <a:t>9/18/2017</a:t>
+              <a:t>9/19/2017</a:t>
             </a:fld>
             <a:endParaRPr lang="en-US"/>
           </a:p>
@@ -3435,7 +3435,7 @@
           <a:p>
             <a:fld id="{1CF5E627-4435-4E4B-A241-B784D5E98CA2}" type="datetimeFigureOut">
               <a:rPr lang="en-US" smtClean="0"/>
-              <a:t>9/18/2017</a:t>
+              <a:t>9/19/2017</a:t>
             </a:fld>
             <a:endParaRPr lang="en-US"/>
           </a:p>
@@ -3548,7 +3548,7 @@
           <a:p>
             <a:fld id="{1CF5E627-4435-4E4B-A241-B784D5E98CA2}" type="datetimeFigureOut">
               <a:rPr lang="en-US" smtClean="0"/>
-              <a:t>9/18/2017</a:t>
+              <a:t>9/19/2017</a:t>
             </a:fld>
             <a:endParaRPr lang="en-US"/>
           </a:p>
@@ -3859,7 +3859,7 @@
           <a:p>
             <a:fld id="{1CF5E627-4435-4E4B-A241-B784D5E98CA2}" type="datetimeFigureOut">
               <a:rPr lang="en-US" smtClean="0"/>
-              <a:t>9/18/2017</a:t>
+              <a:t>9/19/2017</a:t>
             </a:fld>
             <a:endParaRPr lang="en-US"/>
           </a:p>
@@ -4147,7 +4147,7 @@
           <a:p>
             <a:fld id="{1CF5E627-4435-4E4B-A241-B784D5E98CA2}" type="datetimeFigureOut">
               <a:rPr lang="en-US" smtClean="0"/>
-              <a:t>9/18/2017</a:t>
+              <a:t>9/19/2017</a:t>
             </a:fld>
             <a:endParaRPr lang="en-US"/>
           </a:p>
@@ -4388,7 +4388,7 @@
           <a:p>
             <a:fld id="{1CF5E627-4435-4E4B-A241-B784D5E98CA2}" type="datetimeFigureOut">
               <a:rPr lang="en-US" smtClean="0"/>
-              <a:t>9/18/2017</a:t>
+              <a:t>9/19/2017</a:t>
             </a:fld>
             <a:endParaRPr lang="en-US"/>
           </a:p>
@@ -4833,7 +4833,7 @@
           <a:graphicData uri="http://schemas.openxmlformats.org/presentationml/2006/ole">
             <mc:AlternateContent xmlns:mc="http://schemas.openxmlformats.org/markup-compatibility/2006">
               <mc:Choice xmlns:v="urn:schemas-microsoft-com:vml" Requires="v">
-                <p:oleObj spid="_x0000_s1084" name="Image" r:id="rId4" imgW="5269680" imgH="4469760" progId="Photoshop.Image.12">
+                <p:oleObj spid="_x0000_s1088" name="Image" r:id="rId4" imgW="5269680" imgH="4469760" progId="Photoshop.Image.12">
                   <p:embed/>
                 </p:oleObj>
               </mc:Choice>
@@ -4984,6 +4984,41 @@
                 <a:latin typeface="HelveticaNeue" panose="00000400000000000000" pitchFamily="2" charset="0"/>
               </a:rPr>
               <a:t>Youssef Keyrouz</a:t>
+            </a:r>
+          </a:p>
+        </p:txBody>
+      </p:sp>
+      <p:sp>
+        <p:nvSpPr>
+          <p:cNvPr id="3" name="TextBox 2">
+            <a:extLst>
+              <a:ext uri="{FF2B5EF4-FFF2-40B4-BE49-F238E27FC236}">
+                <a16:creationId xmlns:a16="http://schemas.microsoft.com/office/drawing/2014/main" id="{F096F51F-715A-4E15-A7C9-D2298333C4DA}"/>
+              </a:ext>
+            </a:extLst>
+          </p:cNvPr>
+          <p:cNvSpPr txBox="1"/>
+          <p:nvPr/>
+        </p:nvSpPr>
+        <p:spPr>
+          <a:xfrm>
+            <a:off x="4841862" y="4257763"/>
+            <a:ext cx="1799082" cy="707886"/>
+          </a:xfrm>
+          <a:prstGeom prst="rect">
+            <a:avLst/>
+          </a:prstGeom>
+          <a:noFill/>
+        </p:spPr>
+        <p:txBody>
+          <a:bodyPr wrap="none" rtlCol="0">
+            <a:spAutoFit/>
+          </a:bodyPr>
+          <a:lstStyle/>
+          <a:p>
+            <a:r>
+              <a:rPr lang="en-US" sz="4000" dirty="0"/>
+              <a:t>Part 2.0</a:t>
             </a:r>
           </a:p>
         </p:txBody>
@@ -5980,6 +6015,183 @@
   <p:clrMapOvr>
     <a:masterClrMapping/>
   </p:clrMapOvr>
+  <p:timing>
+    <p:tnLst>
+      <p:par>
+        <p:cTn id="1" dur="indefinite" restart="never" nodeType="tmRoot">
+          <p:childTnLst>
+            <p:seq concurrent="1" nextAc="seek">
+              <p:cTn id="2" dur="indefinite" nodeType="mainSeq">
+                <p:childTnLst>
+                  <p:par>
+                    <p:cTn id="3" fill="hold">
+                      <p:stCondLst>
+                        <p:cond delay="indefinite"/>
+                      </p:stCondLst>
+                      <p:childTnLst>
+                        <p:par>
+                          <p:cTn id="4" fill="hold">
+                            <p:stCondLst>
+                              <p:cond delay="0"/>
+                            </p:stCondLst>
+                            <p:childTnLst>
+                              <p:par>
+                                <p:cTn id="5" presetID="1" presetClass="entr" presetSubtype="0" fill="hold" nodeType="clickEffect">
+                                  <p:stCondLst>
+                                    <p:cond delay="0"/>
+                                  </p:stCondLst>
+                                  <p:childTnLst>
+                                    <p:set>
+                                      <p:cBhvr>
+                                        <p:cTn id="6" dur="1" fill="hold">
+                                          <p:stCondLst>
+                                            <p:cond delay="0"/>
+                                          </p:stCondLst>
+                                        </p:cTn>
+                                        <p:tgtEl>
+                                          <p:spTgt spid="6">
+                                            <p:txEl>
+                                              <p:pRg st="0" end="0"/>
+                                            </p:txEl>
+                                          </p:spTgt>
+                                        </p:tgtEl>
+                                        <p:attrNameLst>
+                                          <p:attrName>style.visibility</p:attrName>
+                                        </p:attrNameLst>
+                                      </p:cBhvr>
+                                      <p:to>
+                                        <p:strVal val="visible"/>
+                                      </p:to>
+                                    </p:set>
+                                  </p:childTnLst>
+                                </p:cTn>
+                              </p:par>
+                            </p:childTnLst>
+                          </p:cTn>
+                        </p:par>
+                      </p:childTnLst>
+                    </p:cTn>
+                  </p:par>
+                  <p:par>
+                    <p:cTn id="7" fill="hold">
+                      <p:stCondLst>
+                        <p:cond delay="indefinite"/>
+                      </p:stCondLst>
+                      <p:childTnLst>
+                        <p:par>
+                          <p:cTn id="8" fill="hold">
+                            <p:stCondLst>
+                              <p:cond delay="0"/>
+                            </p:stCondLst>
+                            <p:childTnLst>
+                              <p:par>
+                                <p:cTn id="9" presetID="1" presetClass="entr" presetSubtype="0" fill="hold" nodeType="clickEffect">
+                                  <p:stCondLst>
+                                    <p:cond delay="0"/>
+                                  </p:stCondLst>
+                                  <p:childTnLst>
+                                    <p:set>
+                                      <p:cBhvr>
+                                        <p:cTn id="10" dur="1" fill="hold">
+                                          <p:stCondLst>
+                                            <p:cond delay="0"/>
+                                          </p:stCondLst>
+                                        </p:cTn>
+                                        <p:tgtEl>
+                                          <p:spTgt spid="6">
+                                            <p:txEl>
+                                              <p:pRg st="2" end="2"/>
+                                            </p:txEl>
+                                          </p:spTgt>
+                                        </p:tgtEl>
+                                        <p:attrNameLst>
+                                          <p:attrName>style.visibility</p:attrName>
+                                        </p:attrNameLst>
+                                      </p:cBhvr>
+                                      <p:to>
+                                        <p:strVal val="visible"/>
+                                      </p:to>
+                                    </p:set>
+                                  </p:childTnLst>
+                                </p:cTn>
+                              </p:par>
+                            </p:childTnLst>
+                          </p:cTn>
+                        </p:par>
+                      </p:childTnLst>
+                    </p:cTn>
+                  </p:par>
+                  <p:par>
+                    <p:cTn id="11" fill="hold">
+                      <p:stCondLst>
+                        <p:cond delay="indefinite"/>
+                      </p:stCondLst>
+                      <p:childTnLst>
+                        <p:par>
+                          <p:cTn id="12" fill="hold">
+                            <p:stCondLst>
+                              <p:cond delay="0"/>
+                            </p:stCondLst>
+                            <p:childTnLst>
+                              <p:par>
+                                <p:cTn id="13" presetID="1" presetClass="entr" presetSubtype="0" fill="hold" nodeType="clickEffect">
+                                  <p:stCondLst>
+                                    <p:cond delay="0"/>
+                                  </p:stCondLst>
+                                  <p:childTnLst>
+                                    <p:set>
+                                      <p:cBhvr>
+                                        <p:cTn id="14" dur="1" fill="hold">
+                                          <p:stCondLst>
+                                            <p:cond delay="0"/>
+                                          </p:stCondLst>
+                                        </p:cTn>
+                                        <p:tgtEl>
+                                          <p:spTgt spid="6">
+                                            <p:txEl>
+                                              <p:pRg st="4" end="4"/>
+                                            </p:txEl>
+                                          </p:spTgt>
+                                        </p:tgtEl>
+                                        <p:attrNameLst>
+                                          <p:attrName>style.visibility</p:attrName>
+                                        </p:attrNameLst>
+                                      </p:cBhvr>
+                                      <p:to>
+                                        <p:strVal val="visible"/>
+                                      </p:to>
+                                    </p:set>
+                                  </p:childTnLst>
+                                </p:cTn>
+                              </p:par>
+                            </p:childTnLst>
+                          </p:cTn>
+                        </p:par>
+                      </p:childTnLst>
+                    </p:cTn>
+                  </p:par>
+                </p:childTnLst>
+              </p:cTn>
+              <p:prevCondLst>
+                <p:cond evt="onPrev" delay="0">
+                  <p:tgtEl>
+                    <p:sldTgt/>
+                  </p:tgtEl>
+                </p:cond>
+              </p:prevCondLst>
+              <p:nextCondLst>
+                <p:cond evt="onNext" delay="0">
+                  <p:tgtEl>
+                    <p:sldTgt/>
+                  </p:tgtEl>
+                </p:cond>
+              </p:nextCondLst>
+            </p:seq>
+          </p:childTnLst>
+        </p:cTn>
+      </p:par>
+    </p:tnLst>
+  </p:timing>
 </p:sld>
 </file>
 
@@ -6303,6 +6515,183 @@
   <p:clrMapOvr>
     <a:masterClrMapping/>
   </p:clrMapOvr>
+  <p:timing>
+    <p:tnLst>
+      <p:par>
+        <p:cTn id="1" dur="indefinite" restart="never" nodeType="tmRoot">
+          <p:childTnLst>
+            <p:seq concurrent="1" nextAc="seek">
+              <p:cTn id="2" dur="indefinite" nodeType="mainSeq">
+                <p:childTnLst>
+                  <p:par>
+                    <p:cTn id="3" fill="hold">
+                      <p:stCondLst>
+                        <p:cond delay="indefinite"/>
+                      </p:stCondLst>
+                      <p:childTnLst>
+                        <p:par>
+                          <p:cTn id="4" fill="hold">
+                            <p:stCondLst>
+                              <p:cond delay="0"/>
+                            </p:stCondLst>
+                            <p:childTnLst>
+                              <p:par>
+                                <p:cTn id="5" presetID="1" presetClass="entr" presetSubtype="0" fill="hold" nodeType="clickEffect">
+                                  <p:stCondLst>
+                                    <p:cond delay="0"/>
+                                  </p:stCondLst>
+                                  <p:childTnLst>
+                                    <p:set>
+                                      <p:cBhvr>
+                                        <p:cTn id="6" dur="1" fill="hold">
+                                          <p:stCondLst>
+                                            <p:cond delay="0"/>
+                                          </p:stCondLst>
+                                        </p:cTn>
+                                        <p:tgtEl>
+                                          <p:spTgt spid="6">
+                                            <p:txEl>
+                                              <p:pRg st="0" end="0"/>
+                                            </p:txEl>
+                                          </p:spTgt>
+                                        </p:tgtEl>
+                                        <p:attrNameLst>
+                                          <p:attrName>style.visibility</p:attrName>
+                                        </p:attrNameLst>
+                                      </p:cBhvr>
+                                      <p:to>
+                                        <p:strVal val="visible"/>
+                                      </p:to>
+                                    </p:set>
+                                  </p:childTnLst>
+                                </p:cTn>
+                              </p:par>
+                            </p:childTnLst>
+                          </p:cTn>
+                        </p:par>
+                      </p:childTnLst>
+                    </p:cTn>
+                  </p:par>
+                  <p:par>
+                    <p:cTn id="7" fill="hold">
+                      <p:stCondLst>
+                        <p:cond delay="indefinite"/>
+                      </p:stCondLst>
+                      <p:childTnLst>
+                        <p:par>
+                          <p:cTn id="8" fill="hold">
+                            <p:stCondLst>
+                              <p:cond delay="0"/>
+                            </p:stCondLst>
+                            <p:childTnLst>
+                              <p:par>
+                                <p:cTn id="9" presetID="1" presetClass="entr" presetSubtype="0" fill="hold" nodeType="clickEffect">
+                                  <p:stCondLst>
+                                    <p:cond delay="0"/>
+                                  </p:stCondLst>
+                                  <p:childTnLst>
+                                    <p:set>
+                                      <p:cBhvr>
+                                        <p:cTn id="10" dur="1" fill="hold">
+                                          <p:stCondLst>
+                                            <p:cond delay="0"/>
+                                          </p:stCondLst>
+                                        </p:cTn>
+                                        <p:tgtEl>
+                                          <p:spTgt spid="6">
+                                            <p:txEl>
+                                              <p:pRg st="2" end="2"/>
+                                            </p:txEl>
+                                          </p:spTgt>
+                                        </p:tgtEl>
+                                        <p:attrNameLst>
+                                          <p:attrName>style.visibility</p:attrName>
+                                        </p:attrNameLst>
+                                      </p:cBhvr>
+                                      <p:to>
+                                        <p:strVal val="visible"/>
+                                      </p:to>
+                                    </p:set>
+                                  </p:childTnLst>
+                                </p:cTn>
+                              </p:par>
+                            </p:childTnLst>
+                          </p:cTn>
+                        </p:par>
+                      </p:childTnLst>
+                    </p:cTn>
+                  </p:par>
+                  <p:par>
+                    <p:cTn id="11" fill="hold">
+                      <p:stCondLst>
+                        <p:cond delay="indefinite"/>
+                      </p:stCondLst>
+                      <p:childTnLst>
+                        <p:par>
+                          <p:cTn id="12" fill="hold">
+                            <p:stCondLst>
+                              <p:cond delay="0"/>
+                            </p:stCondLst>
+                            <p:childTnLst>
+                              <p:par>
+                                <p:cTn id="13" presetID="1" presetClass="entr" presetSubtype="0" fill="hold" nodeType="clickEffect">
+                                  <p:stCondLst>
+                                    <p:cond delay="0"/>
+                                  </p:stCondLst>
+                                  <p:childTnLst>
+                                    <p:set>
+                                      <p:cBhvr>
+                                        <p:cTn id="14" dur="1" fill="hold">
+                                          <p:stCondLst>
+                                            <p:cond delay="0"/>
+                                          </p:stCondLst>
+                                        </p:cTn>
+                                        <p:tgtEl>
+                                          <p:spTgt spid="6">
+                                            <p:txEl>
+                                              <p:pRg st="4" end="4"/>
+                                            </p:txEl>
+                                          </p:spTgt>
+                                        </p:tgtEl>
+                                        <p:attrNameLst>
+                                          <p:attrName>style.visibility</p:attrName>
+                                        </p:attrNameLst>
+                                      </p:cBhvr>
+                                      <p:to>
+                                        <p:strVal val="visible"/>
+                                      </p:to>
+                                    </p:set>
+                                  </p:childTnLst>
+                                </p:cTn>
+                              </p:par>
+                            </p:childTnLst>
+                          </p:cTn>
+                        </p:par>
+                      </p:childTnLst>
+                    </p:cTn>
+                  </p:par>
+                </p:childTnLst>
+              </p:cTn>
+              <p:prevCondLst>
+                <p:cond evt="onPrev" delay="0">
+                  <p:tgtEl>
+                    <p:sldTgt/>
+                  </p:tgtEl>
+                </p:cond>
+              </p:prevCondLst>
+              <p:nextCondLst>
+                <p:cond evt="onNext" delay="0">
+                  <p:tgtEl>
+                    <p:sldTgt/>
+                  </p:tgtEl>
+                </p:cond>
+              </p:nextCondLst>
+            </p:seq>
+          </p:childTnLst>
+        </p:cTn>
+      </p:par>
+    </p:tnLst>
+  </p:timing>
 </p:sld>
 </file>
 
@@ -6738,7 +7127,7 @@
                 </a:solidFill>
                 <a:latin typeface="HelveticaNeue" panose="00000400000000000000" pitchFamily="2" charset="0"/>
               </a:rPr>
-              <a:t>QUESTIONS?</a:t>
+              <a:t>Launch { QUESTIONS? }</a:t>
             </a:r>
           </a:p>
         </p:txBody>
@@ -6770,9 +7159,15 @@
           <a:lstStyle/>
           <a:p>
             <a:r>
-              <a:rPr lang="en-US" dirty="0"/>
-              <a:t>https://github.com/YoussefKeyrouz/Presentation-Kotlin.git</a:t>
-            </a:r>
+              <a:rPr lang="en-US" dirty="0">
+                <a:hlinkClick r:id="rId2"/>
+              </a:rPr>
+              <a:t>https://github.com/YoussefKeyrouz/Presentation-Kotlin-2.git</a:t>
+            </a:r>
+            <a:endParaRPr lang="en-US" dirty="0"/>
+          </a:p>
+          <a:p>
+            <a:endParaRPr lang="en-US" dirty="0"/>
           </a:p>
         </p:txBody>
       </p:sp>
@@ -6791,7 +7186,7 @@
           <p:nvPr/>
         </p:nvPicPr>
         <p:blipFill>
-          <a:blip r:embed="rId2">
+          <a:blip r:embed="rId3">
             <a:extLst>
               <a:ext uri="{28A0092B-C50C-407E-A947-70E740481C1C}">
                 <a14:useLocalDpi xmlns:a14="http://schemas.microsoft.com/office/drawing/2010/main" val="0"/>
@@ -6851,10 +7246,10 @@
       </p:sp>
       <p:pic>
         <p:nvPicPr>
-          <p:cNvPr id="7" name="Picture 6">
+          <p:cNvPr id="5" name="Picture 4">
             <a:extLst>
               <a:ext uri="{FF2B5EF4-FFF2-40B4-BE49-F238E27FC236}">
-                <a16:creationId xmlns:a16="http://schemas.microsoft.com/office/drawing/2014/main" id="{1EE278EC-2553-4C58-BE29-405110DCBEDB}"/>
+                <a16:creationId xmlns:a16="http://schemas.microsoft.com/office/drawing/2014/main" id="{BF295BA7-C801-40D3-BCCB-CD12D23393E0}"/>
               </a:ext>
             </a:extLst>
           </p:cNvPr>
@@ -6864,7 +7259,7 @@
           <p:nvPr/>
         </p:nvPicPr>
         <p:blipFill>
-          <a:blip r:embed="rId3">
+          <a:blip r:embed="rId4">
             <a:extLst>
               <a:ext uri="{28A0092B-C50C-407E-A947-70E740481C1C}">
                 <a14:useLocalDpi xmlns:a14="http://schemas.microsoft.com/office/drawing/2010/main" val="0"/>
